--- a/Documentations/MTG CARD SHOP.pptx
+++ b/Documentations/MTG CARD SHOP.pptx
@@ -175,6 +175,7 @@
 <file path=ppt/revisionInfo.xml><?xml version="1.0" encoding="utf-8"?>
 <p1510:revInfo xmlns:a="http://schemas.openxmlformats.org/drawingml/2006/main" xmlns:r="http://schemas.openxmlformats.org/officeDocument/2006/relationships" xmlns:p1510="http://schemas.microsoft.com/office/powerpoint/2015/10/main">
   <p1510:revLst>
+    <p1510:client id="{0752C009-4349-A65F-4B1A-29BA8AE51190}" v="1" dt="2025-05-02T17:18:33.995"/>
     <p1510:client id="{C0CCA1AE-5EB7-D24B-3F5B-57F9B4941DC5}" v="6" dt="2025-05-01T10:29:26.557"/>
   </p1510:revLst>
 </p1510:revInfo>
@@ -1278,6 +1279,22 @@
       </pc:sldChg>
     </pc:docChg>
   </pc:docChgLst>
+  <pc:docChgLst>
+    <pc:chgData name="Masznyik Márton 575" userId="S::masmar575@logiker.hu::58f30406-2c3f-44c8-8e61-4e2ba3dada83" providerId="AD" clId="Web-{0752C009-4349-A65F-4B1A-29BA8AE51190}"/>
+    <pc:docChg chg="sldOrd">
+      <pc:chgData name="Masznyik Márton 575" userId="S::masmar575@logiker.hu::58f30406-2c3f-44c8-8e61-4e2ba3dada83" providerId="AD" clId="Web-{0752C009-4349-A65F-4B1A-29BA8AE51190}" dt="2025-05-02T17:18:33.995" v="0"/>
+      <pc:docMkLst>
+        <pc:docMk/>
+      </pc:docMkLst>
+      <pc:sldChg chg="ord">
+        <pc:chgData name="Masznyik Márton 575" userId="S::masmar575@logiker.hu::58f30406-2c3f-44c8-8e61-4e2ba3dada83" providerId="AD" clId="Web-{0752C009-4349-A65F-4B1A-29BA8AE51190}" dt="2025-05-02T17:18:33.995" v="0"/>
+        <pc:sldMkLst>
+          <pc:docMk/>
+          <pc:sldMk cId="314471347" sldId="268"/>
+        </pc:sldMkLst>
+      </pc:sldChg>
+    </pc:docChg>
+  </pc:docChgLst>
 </pc:chgInfo>
 </file>
 
@@ -1362,7 +1379,7 @@
           </a:lstStyle>
           <a:p>
             <a:fld id="{B309CB85-8B09-42D5-A122-A716EE6BADC9}" type="datetimeFigureOut">
-              <a:t>2025. 05. 01.</a:t>
+              <a:t>2025. 05. 02.</a:t>
             </a:fld>
             <a:endParaRPr lang="hu-HU"/>
           </a:p>
@@ -5383,7 +5400,7 @@
           <a:p>
             <a:fld id="{9B04D434-EA6A-40EA-B689-F30D7C484118}" type="datetimeFigureOut">
               <a:rPr lang="hu-HU" smtClean="0"/>
-              <a:t>2025. 05. 01.</a:t>
+              <a:t>2025. 05. 02.</a:t>
             </a:fld>
             <a:endParaRPr lang="hu-HU"/>
           </a:p>
@@ -5581,7 +5598,7 @@
           <a:p>
             <a:fld id="{9B04D434-EA6A-40EA-B689-F30D7C484118}" type="datetimeFigureOut">
               <a:rPr lang="hu-HU" smtClean="0"/>
-              <a:t>2025. 05. 01.</a:t>
+              <a:t>2025. 05. 02.</a:t>
             </a:fld>
             <a:endParaRPr lang="hu-HU"/>
           </a:p>
@@ -5789,7 +5806,7 @@
           <a:p>
             <a:fld id="{9B04D434-EA6A-40EA-B689-F30D7C484118}" type="datetimeFigureOut">
               <a:rPr lang="hu-HU" smtClean="0"/>
-              <a:t>2025. 05. 01.</a:t>
+              <a:t>2025. 05. 02.</a:t>
             </a:fld>
             <a:endParaRPr lang="hu-HU"/>
           </a:p>
@@ -5987,7 +6004,7 @@
           <a:p>
             <a:fld id="{9B04D434-EA6A-40EA-B689-F30D7C484118}" type="datetimeFigureOut">
               <a:rPr lang="hu-HU" smtClean="0"/>
-              <a:t>2025. 05. 01.</a:t>
+              <a:t>2025. 05. 02.</a:t>
             </a:fld>
             <a:endParaRPr lang="hu-HU"/>
           </a:p>
@@ -6262,7 +6279,7 @@
           <a:p>
             <a:fld id="{9B04D434-EA6A-40EA-B689-F30D7C484118}" type="datetimeFigureOut">
               <a:rPr lang="hu-HU" smtClean="0"/>
-              <a:t>2025. 05. 01.</a:t>
+              <a:t>2025. 05. 02.</a:t>
             </a:fld>
             <a:endParaRPr lang="hu-HU"/>
           </a:p>
@@ -6527,7 +6544,7 @@
           <a:p>
             <a:fld id="{9B04D434-EA6A-40EA-B689-F30D7C484118}" type="datetimeFigureOut">
               <a:rPr lang="hu-HU" smtClean="0"/>
-              <a:t>2025. 05. 01.</a:t>
+              <a:t>2025. 05. 02.</a:t>
             </a:fld>
             <a:endParaRPr lang="hu-HU"/>
           </a:p>
@@ -6939,7 +6956,7 @@
           <a:p>
             <a:fld id="{9B04D434-EA6A-40EA-B689-F30D7C484118}" type="datetimeFigureOut">
               <a:rPr lang="hu-HU" smtClean="0"/>
-              <a:t>2025. 05. 01.</a:t>
+              <a:t>2025. 05. 02.</a:t>
             </a:fld>
             <a:endParaRPr lang="hu-HU"/>
           </a:p>
@@ -7080,7 +7097,7 @@
           <a:p>
             <a:fld id="{9B04D434-EA6A-40EA-B689-F30D7C484118}" type="datetimeFigureOut">
               <a:rPr lang="hu-HU" smtClean="0"/>
-              <a:t>2025. 05. 01.</a:t>
+              <a:t>2025. 05. 02.</a:t>
             </a:fld>
             <a:endParaRPr lang="hu-HU"/>
           </a:p>
@@ -7193,7 +7210,7 @@
           <a:p>
             <a:fld id="{9B04D434-EA6A-40EA-B689-F30D7C484118}" type="datetimeFigureOut">
               <a:rPr lang="hu-HU" smtClean="0"/>
-              <a:t>2025. 05. 01.</a:t>
+              <a:t>2025. 05. 02.</a:t>
             </a:fld>
             <a:endParaRPr lang="hu-HU"/>
           </a:p>
@@ -7504,7 +7521,7 @@
           <a:p>
             <a:fld id="{9B04D434-EA6A-40EA-B689-F30D7C484118}" type="datetimeFigureOut">
               <a:rPr lang="hu-HU" smtClean="0"/>
-              <a:t>2025. 05. 01.</a:t>
+              <a:t>2025. 05. 02.</a:t>
             </a:fld>
             <a:endParaRPr lang="hu-HU"/>
           </a:p>
@@ -7792,7 +7809,7 @@
           <a:p>
             <a:fld id="{9B04D434-EA6A-40EA-B689-F30D7C484118}" type="datetimeFigureOut">
               <a:rPr lang="hu-HU" smtClean="0"/>
-              <a:t>2025. 05. 01.</a:t>
+              <a:t>2025. 05. 02.</a:t>
             </a:fld>
             <a:endParaRPr lang="hu-HU"/>
           </a:p>
@@ -8033,7 +8050,7 @@
           <a:p>
             <a:fld id="{9B04D434-EA6A-40EA-B689-F30D7C484118}" type="datetimeFigureOut">
               <a:rPr lang="hu-HU" smtClean="0"/>
-              <a:t>2025. 05. 01.</a:t>
+              <a:t>2025. 05. 02.</a:t>
             </a:fld>
             <a:endParaRPr lang="hu-HU"/>
           </a:p>

--- a/Documentations/MTG CARD SHOP.pptx
+++ b/Documentations/MTG CARD SHOP.pptx
@@ -176,7 +176,7 @@
 <p1510:revInfo xmlns:a="http://schemas.openxmlformats.org/drawingml/2006/main" xmlns:r="http://schemas.openxmlformats.org/officeDocument/2006/relationships" xmlns:p1510="http://schemas.microsoft.com/office/powerpoint/2015/10/main">
   <p1510:revLst>
     <p1510:client id="{0752C009-4349-A65F-4B1A-29BA8AE51190}" v="1" dt="2025-05-02T17:18:33.995"/>
-    <p1510:client id="{C0CCA1AE-5EB7-D24B-3F5B-57F9B4941DC5}" v="6" dt="2025-05-01T10:29:26.557"/>
+    <p1510:client id="{C7520D2E-0432-EEDF-B086-5DF8E7CD6CEB}" v="5" dt="2025-05-03T16:35:19.902"/>
   </p1510:revLst>
 </p1510:revInfo>
 </file>
@@ -225,6 +225,45 @@
           <pc:docMk/>
           <pc:sldMk cId="1965591825" sldId="270"/>
         </pc:sldMkLst>
+      </pc:sldChg>
+    </pc:docChg>
+  </pc:docChgLst>
+  <pc:docChgLst>
+    <pc:chgData name="Masznyik Márton 575" userId="S::masmar575@logiker.hu::58f30406-2c3f-44c8-8e61-4e2ba3dada83" providerId="AD" clId="Web-{C7520D2E-0432-EEDF-B086-5DF8E7CD6CEB}"/>
+    <pc:docChg chg="modSld">
+      <pc:chgData name="Masznyik Márton 575" userId="S::masmar575@logiker.hu::58f30406-2c3f-44c8-8e61-4e2ba3dada83" providerId="AD" clId="Web-{C7520D2E-0432-EEDF-B086-5DF8E7CD6CEB}" dt="2025-05-03T16:35:19.902" v="5" actId="20577"/>
+      <pc:docMkLst>
+        <pc:docMk/>
+      </pc:docMkLst>
+      <pc:sldChg chg="modSp">
+        <pc:chgData name="Masznyik Márton 575" userId="S::masmar575@logiker.hu::58f30406-2c3f-44c8-8e61-4e2ba3dada83" providerId="AD" clId="Web-{C7520D2E-0432-EEDF-B086-5DF8E7CD6CEB}" dt="2025-05-03T16:35:19.902" v="5" actId="20577"/>
+        <pc:sldMkLst>
+          <pc:docMk/>
+          <pc:sldMk cId="841229836" sldId="256"/>
+        </pc:sldMkLst>
+        <pc:spChg chg="mod">
+          <ac:chgData name="Masznyik Márton 575" userId="S::masmar575@logiker.hu::58f30406-2c3f-44c8-8e61-4e2ba3dada83" providerId="AD" clId="Web-{C7520D2E-0432-EEDF-B086-5DF8E7CD6CEB}" dt="2025-05-03T16:35:19.902" v="5" actId="20577"/>
+          <ac:spMkLst>
+            <pc:docMk/>
+            <pc:sldMk cId="841229836" sldId="256"/>
+            <ac:spMk id="3" creationId="{FA60E13F-BEBD-497F-BBF3-095F3D3B25DB}"/>
+          </ac:spMkLst>
+        </pc:spChg>
+      </pc:sldChg>
+      <pc:sldChg chg="modSp">
+        <pc:chgData name="Masznyik Márton 575" userId="S::masmar575@logiker.hu::58f30406-2c3f-44c8-8e61-4e2ba3dada83" providerId="AD" clId="Web-{C7520D2E-0432-EEDF-B086-5DF8E7CD6CEB}" dt="2025-05-03T16:33:43.096" v="0" actId="1076"/>
+        <pc:sldMkLst>
+          <pc:docMk/>
+          <pc:sldMk cId="1641558519" sldId="257"/>
+        </pc:sldMkLst>
+        <pc:picChg chg="mod">
+          <ac:chgData name="Masznyik Márton 575" userId="S::masmar575@logiker.hu::58f30406-2c3f-44c8-8e61-4e2ba3dada83" providerId="AD" clId="Web-{C7520D2E-0432-EEDF-B086-5DF8E7CD6CEB}" dt="2025-05-03T16:33:43.096" v="0" actId="1076"/>
+          <ac:picMkLst>
+            <pc:docMk/>
+            <pc:sldMk cId="1641558519" sldId="257"/>
+            <ac:picMk id="5" creationId="{9ADA34B8-6B28-4A0F-B570-7FD66A4703ED}"/>
+          </ac:picMkLst>
+        </pc:picChg>
       </pc:sldChg>
     </pc:docChg>
   </pc:docChgLst>
@@ -1379,7 +1418,7 @@
           </a:lstStyle>
           <a:p>
             <a:fld id="{B309CB85-8B09-42D5-A122-A716EE6BADC9}" type="datetimeFigureOut">
-              <a:t>2025. 05. 02.</a:t>
+              <a:t>2025. 05. 03.</a:t>
             </a:fld>
             <a:endParaRPr lang="hu-HU"/>
           </a:p>
@@ -5400,7 +5439,7 @@
           <a:p>
             <a:fld id="{9B04D434-EA6A-40EA-B689-F30D7C484118}" type="datetimeFigureOut">
               <a:rPr lang="hu-HU" smtClean="0"/>
-              <a:t>2025. 05. 02.</a:t>
+              <a:t>2025. 05. 03.</a:t>
             </a:fld>
             <a:endParaRPr lang="hu-HU"/>
           </a:p>
@@ -5598,7 +5637,7 @@
           <a:p>
             <a:fld id="{9B04D434-EA6A-40EA-B689-F30D7C484118}" type="datetimeFigureOut">
               <a:rPr lang="hu-HU" smtClean="0"/>
-              <a:t>2025. 05. 02.</a:t>
+              <a:t>2025. 05. 03.</a:t>
             </a:fld>
             <a:endParaRPr lang="hu-HU"/>
           </a:p>
@@ -5806,7 +5845,7 @@
           <a:p>
             <a:fld id="{9B04D434-EA6A-40EA-B689-F30D7C484118}" type="datetimeFigureOut">
               <a:rPr lang="hu-HU" smtClean="0"/>
-              <a:t>2025. 05. 02.</a:t>
+              <a:t>2025. 05. 03.</a:t>
             </a:fld>
             <a:endParaRPr lang="hu-HU"/>
           </a:p>
@@ -6004,7 +6043,7 @@
           <a:p>
             <a:fld id="{9B04D434-EA6A-40EA-B689-F30D7C484118}" type="datetimeFigureOut">
               <a:rPr lang="hu-HU" smtClean="0"/>
-              <a:t>2025. 05. 02.</a:t>
+              <a:t>2025. 05. 03.</a:t>
             </a:fld>
             <a:endParaRPr lang="hu-HU"/>
           </a:p>
@@ -6279,7 +6318,7 @@
           <a:p>
             <a:fld id="{9B04D434-EA6A-40EA-B689-F30D7C484118}" type="datetimeFigureOut">
               <a:rPr lang="hu-HU" smtClean="0"/>
-              <a:t>2025. 05. 02.</a:t>
+              <a:t>2025. 05. 03.</a:t>
             </a:fld>
             <a:endParaRPr lang="hu-HU"/>
           </a:p>
@@ -6544,7 +6583,7 @@
           <a:p>
             <a:fld id="{9B04D434-EA6A-40EA-B689-F30D7C484118}" type="datetimeFigureOut">
               <a:rPr lang="hu-HU" smtClean="0"/>
-              <a:t>2025. 05. 02.</a:t>
+              <a:t>2025. 05. 03.</a:t>
             </a:fld>
             <a:endParaRPr lang="hu-HU"/>
           </a:p>
@@ -6956,7 +6995,7 @@
           <a:p>
             <a:fld id="{9B04D434-EA6A-40EA-B689-F30D7C484118}" type="datetimeFigureOut">
               <a:rPr lang="hu-HU" smtClean="0"/>
-              <a:t>2025. 05. 02.</a:t>
+              <a:t>2025. 05. 03.</a:t>
             </a:fld>
             <a:endParaRPr lang="hu-HU"/>
           </a:p>
@@ -7097,7 +7136,7 @@
           <a:p>
             <a:fld id="{9B04D434-EA6A-40EA-B689-F30D7C484118}" type="datetimeFigureOut">
               <a:rPr lang="hu-HU" smtClean="0"/>
-              <a:t>2025. 05. 02.</a:t>
+              <a:t>2025. 05. 03.</a:t>
             </a:fld>
             <a:endParaRPr lang="hu-HU"/>
           </a:p>
@@ -7210,7 +7249,7 @@
           <a:p>
             <a:fld id="{9B04D434-EA6A-40EA-B689-F30D7C484118}" type="datetimeFigureOut">
               <a:rPr lang="hu-HU" smtClean="0"/>
-              <a:t>2025. 05. 02.</a:t>
+              <a:t>2025. 05. 03.</a:t>
             </a:fld>
             <a:endParaRPr lang="hu-HU"/>
           </a:p>
@@ -7521,7 +7560,7 @@
           <a:p>
             <a:fld id="{9B04D434-EA6A-40EA-B689-F30D7C484118}" type="datetimeFigureOut">
               <a:rPr lang="hu-HU" smtClean="0"/>
-              <a:t>2025. 05. 02.</a:t>
+              <a:t>2025. 05. 03.</a:t>
             </a:fld>
             <a:endParaRPr lang="hu-HU"/>
           </a:p>
@@ -7809,7 +7848,7 @@
           <a:p>
             <a:fld id="{9B04D434-EA6A-40EA-B689-F30D7C484118}" type="datetimeFigureOut">
               <a:rPr lang="hu-HU" smtClean="0"/>
-              <a:t>2025. 05. 02.</a:t>
+              <a:t>2025. 05. 03.</a:t>
             </a:fld>
             <a:endParaRPr lang="hu-HU"/>
           </a:p>
@@ -8050,7 +8089,7 @@
           <a:p>
             <a:fld id="{9B04D434-EA6A-40EA-B689-F30D7C484118}" type="datetimeFigureOut">
               <a:rPr lang="hu-HU" smtClean="0"/>
-              <a:t>2025. 05. 02.</a:t>
+              <a:t>2025. 05. 03.</a:t>
             </a:fld>
             <a:endParaRPr lang="hu-HU"/>
           </a:p>
@@ -15677,12 +15716,12 @@
         </p:spPr>
         <p:txBody>
           <a:bodyPr vert="horz" lIns="91440" tIns="45720" rIns="91440" bIns="45720" rtlCol="0" anchor="t">
-            <a:normAutofit/>
+            <a:normAutofit fontScale="92500"/>
           </a:bodyPr>
           <a:lstStyle/>
           <a:p>
             <a:r>
-              <a:rPr lang="hu-HU" err="1">
+              <a:rPr lang="hu-HU" dirty="0" err="1">
                 <a:solidFill>
                   <a:schemeClr val="tx2"/>
                 </a:solidFill>
@@ -15690,15 +15729,15 @@
               <a:t>Készitették</a:t>
             </a:r>
             <a:r>
-              <a:rPr lang="hu-HU">
+              <a:rPr lang="hu-HU" dirty="0">
                 <a:solidFill>
                   <a:schemeClr val="tx2"/>
                 </a:solidFill>
               </a:rPr>
-              <a:t>: Benedek Berényi, </a:t>
-            </a:r>
-            <a:r>
-              <a:rPr lang="hu-HU" err="1">
+              <a:t>: Berényi Benedek , </a:t>
+            </a:r>
+            <a:r>
+              <a:rPr lang="hu-HU" dirty="0" err="1">
                 <a:solidFill>
                   <a:schemeClr val="tx2"/>
                 </a:solidFill>
@@ -15706,7 +15745,7 @@
               <a:t>Masznyik</a:t>
             </a:r>
             <a:r>
-              <a:rPr lang="hu-HU">
+              <a:rPr lang="hu-HU" dirty="0">
                 <a:solidFill>
                   <a:schemeClr val="tx2"/>
                 </a:solidFill>
@@ -25969,7 +26008,7 @@
         </p:blipFill>
         <p:spPr>
           <a:xfrm>
-            <a:off x="1682223" y="2512931"/>
+            <a:off x="1055417" y="2525221"/>
             <a:ext cx="9677550" cy="3720958"/>
           </a:xfrm>
           <a:prstGeom prst="rect">
